--- a/translations/he/beginner/Display.pptx
+++ b/translations/he/beginner/Display.pptx
@@ -223,7 +223,7 @@
           <a:p>
             <a:fld id="{F8D9B3D7-15CB-9343-AA49-EFB5A8F33F18}" type="datetimeFigureOut">
               <a:rPr lang="en-US" smtClean="0"/>
-              <a:t>7/14/2015</a:t>
+              <a:t>11/4/2015</a:t>
             </a:fld>
             <a:endParaRPr lang="en-US"/>
           </a:p>
@@ -389,7 +389,7 @@
           <a:p>
             <a:fld id="{FD3EFF1E-85A1-6640-AFB9-C38833E80A84}" type="datetimeFigureOut">
               <a:rPr lang="en-US" smtClean="0"/>
-              <a:t>7/14/2015</a:t>
+              <a:t>11/4/2015</a:t>
             </a:fld>
             <a:endParaRPr lang="en-US"/>
           </a:p>
@@ -1271,7 +1271,7 @@
           <a:p>
             <a:fld id="{9479E09A-DFCF-9948-99C0-8E35366B8AF2}" type="datetime1">
               <a:rPr lang="en-US" smtClean="0"/>
-              <a:t>7/14/2015</a:t>
+              <a:t>11/4/2015</a:t>
             </a:fld>
             <a:endParaRPr lang="en-US"/>
           </a:p>
@@ -1577,7 +1577,7 @@
           <a:p>
             <a:fld id="{3BA37D03-BC31-534C-B2AB-29199FB4C0F2}" type="datetime1">
               <a:rPr lang="en-US" smtClean="0"/>
-              <a:t>7/14/2015</a:t>
+              <a:t>11/4/2015</a:t>
             </a:fld>
             <a:endParaRPr lang="en-US"/>
           </a:p>
@@ -1764,7 +1764,7 @@
           <a:p>
             <a:fld id="{1FE24D12-1342-E14C-90E7-03D0D9B05B75}" type="datetime1">
               <a:rPr lang="en-US" smtClean="0"/>
-              <a:t>7/14/2015</a:t>
+              <a:t>11/4/2015</a:t>
             </a:fld>
             <a:endParaRPr lang="en-US"/>
           </a:p>
@@ -1911,7 +1911,7 @@
           <a:p>
             <a:fld id="{A254FE14-F29A-A446-8F9B-40B5B366C5BA}" type="datetime1">
               <a:rPr lang="en-US" smtClean="0"/>
-              <a:t>7/14/2015</a:t>
+              <a:t>11/4/2015</a:t>
             </a:fld>
             <a:endParaRPr lang="en-US"/>
           </a:p>
@@ -2463,7 +2463,7 @@
           <a:p>
             <a:fld id="{A6087458-8A98-8B4E-961F-FA12D0B74031}" type="datetime1">
               <a:rPr lang="en-US" smtClean="0"/>
-              <a:t>7/14/2015</a:t>
+              <a:t>11/4/2015</a:t>
             </a:fld>
             <a:endParaRPr lang="en-US"/>
           </a:p>
@@ -2637,7 +2637,7 @@
           <a:p>
             <a:fld id="{84C1361C-59F1-1448-9277-DB2B0528CEFF}" type="datetime1">
               <a:rPr lang="en-US" smtClean="0"/>
-              <a:t>7/14/2015</a:t>
+              <a:t>11/4/2015</a:t>
             </a:fld>
             <a:endParaRPr lang="en-US"/>
           </a:p>
@@ -2887,7 +2887,7 @@
           <a:p>
             <a:fld id="{2EA0A06A-90E1-7E47-9839-B526382D4203}" type="datetime1">
               <a:rPr lang="en-US" smtClean="0"/>
-              <a:t>7/14/2015</a:t>
+              <a:t>11/4/2015</a:t>
             </a:fld>
             <a:endParaRPr lang="en-US"/>
           </a:p>
@@ -3123,7 +3123,7 @@
           <a:p>
             <a:fld id="{811733E3-A2E2-1745-B5B2-42BB2C97642A}" type="datetime1">
               <a:rPr lang="en-US" smtClean="0"/>
-              <a:t>7/14/2015</a:t>
+              <a:t>11/4/2015</a:t>
             </a:fld>
             <a:endParaRPr lang="en-US"/>
           </a:p>
@@ -3494,7 +3494,7 @@
           <a:p>
             <a:fld id="{99E9ED15-093D-564F-96D8-88A1E10AE60C}" type="datetime1">
               <a:rPr lang="en-US" smtClean="0"/>
-              <a:t>7/14/2015</a:t>
+              <a:t>11/4/2015</a:t>
             </a:fld>
             <a:endParaRPr lang="en-US"/>
           </a:p>
@@ -3616,7 +3616,7 @@
           <a:p>
             <a:fld id="{8A527D48-330A-0C4C-AB3F-503D0829F04F}" type="datetime1">
               <a:rPr lang="en-US" smtClean="0"/>
-              <a:t>7/14/2015</a:t>
+              <a:t>11/4/2015</a:t>
             </a:fld>
             <a:endParaRPr lang="en-US"/>
           </a:p>
@@ -3715,7 +3715,7 @@
           <a:p>
             <a:fld id="{8D6389B7-298B-E247-85D8-5BE001B1B347}" type="datetime1">
               <a:rPr lang="en-US" smtClean="0"/>
-              <a:t>7/14/2015</a:t>
+              <a:t>11/4/2015</a:t>
             </a:fld>
             <a:endParaRPr lang="en-US"/>
           </a:p>
@@ -3899,7 +3899,7 @@
           <a:p>
             <a:fld id="{A911B6AA-FBA4-C841-856B-92C0BB99EB1B}" type="datetime1">
               <a:rPr lang="en-US" smtClean="0"/>
-              <a:t>7/14/2015</a:t>
+              <a:t>11/4/2015</a:t>
             </a:fld>
             <a:endParaRPr lang="en-US"/>
           </a:p>
@@ -4190,7 +4190,7 @@
           <a:p>
             <a:fld id="{52019FD5-2A98-6443-A16B-D1F301A4B0E5}" type="datetime1">
               <a:rPr lang="en-US" smtClean="0"/>
-              <a:t>7/14/2015</a:t>
+              <a:t>11/4/2015</a:t>
             </a:fld>
             <a:endParaRPr lang="en-US"/>
           </a:p>
@@ -4447,7 +4447,7 @@
           <a:p>
             <a:fld id="{C1312F92-0729-664D-AB05-BB5278773CA5}" type="datetime1">
               <a:rPr lang="en-US" smtClean="0"/>
-              <a:t>7/14/2015</a:t>
+              <a:t>11/4/2015</a:t>
             </a:fld>
             <a:endParaRPr lang="en-US"/>
           </a:p>
@@ -4621,7 +4621,7 @@
           <a:p>
             <a:fld id="{01CB3D31-EBC4-CB45-8A03-DA5119396400}" type="datetime1">
               <a:rPr lang="en-US" smtClean="0"/>
-              <a:t>7/14/2015</a:t>
+              <a:t>11/4/2015</a:t>
             </a:fld>
             <a:endParaRPr lang="en-US"/>
           </a:p>
@@ -4805,7 +4805,7 @@
           <a:p>
             <a:fld id="{2021049D-AE0F-8A4A-85C4-C93FFAC412C3}" type="datetime1">
               <a:rPr lang="en-US" smtClean="0"/>
-              <a:t>7/14/2015</a:t>
+              <a:t>11/4/2015</a:t>
             </a:fld>
             <a:endParaRPr lang="en-US"/>
           </a:p>
@@ -5063,7 +5063,7 @@
           <a:p>
             <a:fld id="{CD54B9AA-1462-9846-BB96-903D8808102D}" type="datetime1">
               <a:rPr lang="en-US" smtClean="0"/>
-              <a:t>7/14/2015</a:t>
+              <a:t>11/4/2015</a:t>
             </a:fld>
             <a:endParaRPr lang="en-US"/>
           </a:p>
@@ -5363,7 +5363,7 @@
           <a:p>
             <a:fld id="{86BA5F0D-AF48-D44D-AB6D-4896756761DA}" type="datetime1">
               <a:rPr lang="en-US" smtClean="0"/>
-              <a:t>7/14/2015</a:t>
+              <a:t>11/4/2015</a:t>
             </a:fld>
             <a:endParaRPr lang="en-US"/>
           </a:p>
@@ -5821,7 +5821,7 @@
           <a:p>
             <a:fld id="{5FB6D4A3-CD2E-1540-B1DF-B19E1FDD6235}" type="datetime1">
               <a:rPr lang="en-US" smtClean="0"/>
-              <a:t>7/14/2015</a:t>
+              <a:t>11/4/2015</a:t>
             </a:fld>
             <a:endParaRPr lang="en-US"/>
           </a:p>
@@ -5953,7 +5953,7 @@
           <a:p>
             <a:fld id="{563FC896-F499-0844-A5F6-F4FA5C130CC6}" type="datetime1">
               <a:rPr lang="en-US" smtClean="0"/>
-              <a:t>7/14/2015</a:t>
+              <a:t>11/4/2015</a:t>
             </a:fld>
             <a:endParaRPr lang="en-US"/>
           </a:p>
@@ -6062,7 +6062,7 @@
           <a:p>
             <a:fld id="{8B08A671-228D-5C4E-B916-24D334D43400}" type="datetime1">
               <a:rPr lang="en-US" smtClean="0"/>
-              <a:t>7/14/2015</a:t>
+              <a:t>11/4/2015</a:t>
             </a:fld>
             <a:endParaRPr lang="en-US"/>
           </a:p>
@@ -6316,7 +6316,7 @@
           <a:p>
             <a:fld id="{5948E5B2-E53D-B34D-8BEE-7316028BD0F8}" type="datetime1">
               <a:rPr lang="en-US" smtClean="0"/>
-              <a:t>7/14/2015</a:t>
+              <a:t>11/4/2015</a:t>
             </a:fld>
             <a:endParaRPr lang="en-US"/>
           </a:p>
@@ -6622,7 +6622,7 @@
           <a:p>
             <a:fld id="{339BBE66-C3A1-1F40-B907-F72013EA63D6}" type="datetime1">
               <a:rPr lang="en-US" smtClean="0"/>
-              <a:t>7/14/2015</a:t>
+              <a:t>11/4/2015</a:t>
             </a:fld>
             <a:endParaRPr lang="en-US"/>
           </a:p>
@@ -6928,7 +6928,7 @@
           <a:p>
             <a:fld id="{F34D5EE3-E270-D846-8ABC-4206D7AE2281}" type="datetime1">
               <a:rPr lang="en-US" smtClean="0"/>
-              <a:t>7/14/2015</a:t>
+              <a:t>11/4/2015</a:t>
             </a:fld>
             <a:endParaRPr lang="en-US"/>
           </a:p>
@@ -7575,7 +7575,7 @@
           <a:p>
             <a:fld id="{A50AC318-B6C6-DD4C-BD37-EF3071557319}" type="datetime1">
               <a:rPr lang="en-US" smtClean="0"/>
-              <a:t>7/14/2015</a:t>
+              <a:t>11/4/2015</a:t>
             </a:fld>
             <a:endParaRPr lang="en-US"/>
           </a:p>
@@ -7985,169 +7985,6 @@
           <a:chExt cx="0" cy="0"/>
         </a:xfrm>
       </p:grpSpPr>
-      <p:pic>
-        <p:nvPicPr>
-          <p:cNvPr id="6" name="Picture Placeholder 5" descr="Droidslogo2.png"/>
-          <p:cNvPicPr>
-            <a:picLocks noGrp="1" noChangeAspect="1"/>
-          </p:cNvPicPr>
-          <p:nvPr>
-            <p:ph type="pic" sz="quarter" idx="13"/>
-          </p:nvPr>
-        </p:nvPicPr>
-        <p:blipFill>
-          <a:blip r:embed="rId3" cstate="screen">
-            <a:extLst>
-              <a:ext uri="{28A0092B-C50C-407E-A947-70E740481C1C}">
-                <a14:useLocalDpi xmlns:a14="http://schemas.microsoft.com/office/drawing/2010/main" val="0"/>
-              </a:ext>
-            </a:extLst>
-          </a:blip>
-          <a:srcRect/>
-          <a:stretch>
-            <a:fillRect/>
-          </a:stretch>
-        </p:blipFill>
-        <p:spPr>
-          <a:xfrm>
-            <a:off x="247673" y="5252598"/>
-            <a:ext cx="1209338" cy="1145791"/>
-          </a:xfrm>
-        </p:spPr>
-      </p:pic>
-      <p:sp>
-        <p:nvSpPr>
-          <p:cNvPr id="4" name="Subtitle 3"/>
-          <p:cNvSpPr>
-            <a:spLocks noGrp="1"/>
-          </p:cNvSpPr>
-          <p:nvPr>
-            <p:ph type="subTitle" idx="1"/>
-          </p:nvPr>
-        </p:nvSpPr>
-        <p:spPr>
-          <a:xfrm>
-            <a:off x="1009935" y="3288773"/>
-            <a:ext cx="7754928" cy="1145791"/>
-          </a:xfrm>
-        </p:spPr>
-        <p:txBody>
-          <a:bodyPr>
-            <a:normAutofit/>
-          </a:bodyPr>
-          <a:lstStyle/>
-          <a:p>
-            <a:pPr algn="r" rtl="1"/>
-            <a:r>
-              <a:rPr lang="he-IL" dirty="0" smtClean="0">
-                <a:solidFill>
-                  <a:schemeClr val="tx1"/>
-                </a:solidFill>
-                <a:latin typeface="Gan CLM" panose="02000803000000000000" pitchFamily="2" charset="-79"/>
-                <a:cs typeface="Gan CLM" panose="02000803000000000000" pitchFamily="2" charset="-79"/>
-              </a:rPr>
-              <a:t>נכתב במקור ע"י קבוצת </a:t>
-            </a:r>
-            <a:r>
-              <a:rPr lang="en-US" b="1" dirty="0" smtClean="0">
-                <a:solidFill>
-                  <a:schemeClr val="tx1"/>
-                </a:solidFill>
-                <a:latin typeface="+mj-lt"/>
-                <a:cs typeface="Gan CLM" panose="02000803000000000000" pitchFamily="2" charset="-79"/>
-              </a:rPr>
-              <a:t>DROID ROBOTICS</a:t>
-            </a:r>
-            <a:r>
-              <a:rPr lang="he-IL" b="1" dirty="0" smtClean="0">
-                <a:solidFill>
-                  <a:schemeClr val="tx1"/>
-                </a:solidFill>
-                <a:latin typeface="+mj-lt"/>
-                <a:cs typeface="Gan CLM" panose="02000803000000000000" pitchFamily="2" charset="-79"/>
-              </a:rPr>
-              <a:t> </a:t>
-            </a:r>
-            <a:r>
-              <a:rPr lang="en-US" b="1" dirty="0">
-                <a:solidFill>
-                  <a:schemeClr val="tx1"/>
-                </a:solidFill>
-                <a:latin typeface="+mj-lt"/>
-                <a:cs typeface="Gan CLM" panose="02000803000000000000" pitchFamily="2" charset="-79"/>
-              </a:rPr>
-              <a:t> </a:t>
-            </a:r>
-            <a:r>
-              <a:rPr lang="he-IL" b="1" dirty="0">
-                <a:solidFill>
-                  <a:schemeClr val="tx1"/>
-                </a:solidFill>
-                <a:latin typeface="+mj-lt"/>
-                <a:cs typeface="Gan CLM" panose="02000803000000000000" pitchFamily="2" charset="-79"/>
-              </a:rPr>
-              <a:t> </a:t>
-            </a:r>
-            <a:r>
-              <a:rPr lang="he-IL" dirty="0" smtClean="0">
-                <a:solidFill>
-                  <a:schemeClr val="tx1"/>
-                </a:solidFill>
-                <a:latin typeface="Gan CLM" panose="02000803000000000000" pitchFamily="2" charset="-79"/>
-                <a:cs typeface="Gan CLM" panose="02000803000000000000" pitchFamily="2" charset="-79"/>
-              </a:rPr>
-              <a:t>תורגם לעברית ע"י קבוצה </a:t>
-            </a:r>
-            <a:r>
-              <a:rPr lang="en-US" b="1" dirty="0" smtClean="0">
-                <a:solidFill>
-                  <a:schemeClr val="tx1"/>
-                </a:solidFill>
-                <a:latin typeface="+mj-lt"/>
-                <a:cs typeface="Gan CLM" panose="02000803000000000000" pitchFamily="2" charset="-79"/>
-              </a:rPr>
-              <a:t>FLASH #</a:t>
-            </a:r>
-            <a:r>
-              <a:rPr lang="en-US" dirty="0" smtClean="0">
-                <a:solidFill>
-                  <a:schemeClr val="tx1"/>
-                </a:solidFill>
-                <a:latin typeface="Gan CLM" panose="02000803000000000000" pitchFamily="2" charset="-79"/>
-                <a:cs typeface="Gan CLM" panose="02000803000000000000" pitchFamily="2" charset="-79"/>
-              </a:rPr>
-              <a:t>74</a:t>
-            </a:r>
-            <a:r>
-              <a:rPr lang="he-IL" dirty="0" smtClean="0">
-                <a:solidFill>
-                  <a:schemeClr val="tx1"/>
-                </a:solidFill>
-                <a:latin typeface="Gan CLM" panose="02000803000000000000" pitchFamily="2" charset="-79"/>
-                <a:cs typeface="Gan CLM" panose="02000803000000000000" pitchFamily="2" charset="-79"/>
-              </a:rPr>
-              <a:t> בית ספר על שם יצחק </a:t>
-            </a:r>
-            <a:r>
-              <a:rPr lang="he-IL" dirty="0" err="1" smtClean="0">
-                <a:solidFill>
-                  <a:schemeClr val="tx1"/>
-                </a:solidFill>
-                <a:latin typeface="Gan CLM" panose="02000803000000000000" pitchFamily="2" charset="-79"/>
-                <a:cs typeface="Gan CLM" panose="02000803000000000000" pitchFamily="2" charset="-79"/>
-              </a:rPr>
-              <a:t>רבין,שוהם</a:t>
-            </a:r>
-            <a:endParaRPr lang="en-US" dirty="0">
-              <a:solidFill>
-                <a:schemeClr val="tx1"/>
-              </a:solidFill>
-              <a:latin typeface="Gan CLM" panose="02000803000000000000" pitchFamily="2" charset="-79"/>
-              <a:cs typeface="Gan CLM" panose="02000803000000000000" pitchFamily="2" charset="-79"/>
-            </a:endParaRPr>
-          </a:p>
-        </p:txBody>
-      </p:sp>
       <p:sp>
         <p:nvSpPr>
           <p:cNvPr id="2" name="Title 1"/>
@@ -8276,29 +8113,6 @@
       </p:sp>
       <p:sp>
         <p:nvSpPr>
-          <p:cNvPr id="10" name="Footer Placeholder 9"/>
-          <p:cNvSpPr>
-            <a:spLocks noGrp="1"/>
-          </p:cNvSpPr>
-          <p:nvPr>
-            <p:ph type="ftr" sz="quarter" idx="11"/>
-          </p:nvPr>
-        </p:nvSpPr>
-        <p:spPr/>
-        <p:txBody>
-          <a:bodyPr/>
-          <a:lstStyle/>
-          <a:p>
-            <a:r>
-              <a:rPr lang="fr-FR" smtClean="0"/>
-              <a:t>© 2015 EV3Lessons.com, Last Edit 5/30/2015</a:t>
-            </a:r>
-            <a:endParaRPr lang="en-US"/>
-          </a:p>
-        </p:txBody>
-      </p:sp>
-      <p:sp>
-        <p:nvSpPr>
           <p:cNvPr id="5" name="Slide Number Placeholder 4"/>
           <p:cNvSpPr>
             <a:spLocks noGrp="1"/>
@@ -8329,7 +8143,7 @@
           <p:nvPr/>
         </p:nvPicPr>
         <p:blipFill>
-          <a:blip r:embed="rId4" cstate="email">
+          <a:blip r:embed="rId3" cstate="email">
             <a:extLst>
               <a:ext uri="{28A0092B-C50C-407E-A947-70E740481C1C}">
                 <a14:useLocalDpi xmlns:a14="http://schemas.microsoft.com/office/drawing/2010/main" val="0"/>
@@ -8352,7 +8166,7 @@
           <a:noFill/>
           <a:extLst>
             <a:ext uri="{909E8E84-426E-40dd-AFC4-6F175D3DCCD1}">
-              <a14:hiddenFill xmlns:a14="http://schemas.microsoft.com/office/drawing/2010/main" xmlns="">
+              <a14:hiddenFill xmlns="" xmlns:a14="http://schemas.microsoft.com/office/drawing/2010/main">
                 <a:solidFill>
                   <a:srgbClr val="FFFFFF"/>
                 </a:solidFill>
@@ -8361,16 +8175,35 @@
           </a:extLst>
         </p:spPr>
       </p:pic>
+      <p:sp>
+        <p:nvSpPr>
+          <p:cNvPr id="9" name="Subtitle 8"/>
+          <p:cNvSpPr>
+            <a:spLocks noGrp="1"/>
+          </p:cNvSpPr>
+          <p:nvPr>
+            <p:ph type="subTitle" idx="1"/>
+          </p:nvPr>
+        </p:nvSpPr>
+        <p:spPr/>
+        <p:txBody>
+          <a:bodyPr/>
+          <a:lstStyle/>
+          <a:p>
+            <a:endParaRPr lang="en-US"/>
+          </a:p>
+        </p:txBody>
+      </p:sp>
       <p:pic>
         <p:nvPicPr>
-          <p:cNvPr id="7" name="תמונה 6"/>
+          <p:cNvPr id="12" name="Picture 11"/>
           <p:cNvPicPr>
             <a:picLocks noChangeAspect="1"/>
           </p:cNvPicPr>
           <p:nvPr/>
         </p:nvPicPr>
         <p:blipFill>
-          <a:blip r:embed="rId5" cstate="screen">
+          <a:blip r:embed="rId4">
             <a:extLst>
               <a:ext uri="{28A0092B-C50C-407E-A947-70E740481C1C}">
                 <a14:useLocalDpi xmlns:a14="http://schemas.microsoft.com/office/drawing/2010/main" val="0"/>
@@ -8383,14 +8216,138 @@
         </p:blipFill>
         <p:spPr>
           <a:xfrm>
-            <a:off x="2823005" y="5071677"/>
-            <a:ext cx="1984430" cy="1547917"/>
+            <a:off x="247673" y="5323144"/>
+            <a:ext cx="1320857" cy="1263619"/>
           </a:xfrm>
           <a:prstGeom prst="rect">
             <a:avLst/>
           </a:prstGeom>
         </p:spPr>
       </p:pic>
+      <p:sp>
+        <p:nvSpPr>
+          <p:cNvPr id="13" name="TextBox 12"/>
+          <p:cNvSpPr txBox="1"/>
+          <p:nvPr/>
+        </p:nvSpPr>
+        <p:spPr>
+          <a:xfrm>
+            <a:off x="1602301" y="6217431"/>
+            <a:ext cx="2248525" cy="369332"/>
+          </a:xfrm>
+          <a:prstGeom prst="rect">
+            <a:avLst/>
+          </a:prstGeom>
+          <a:noFill/>
+        </p:spPr>
+        <p:txBody>
+          <a:bodyPr wrap="square" rtlCol="0">
+            <a:spAutoFit/>
+          </a:bodyPr>
+          <a:lstStyle>
+            <a:defPPr>
+              <a:defRPr lang="en-US"/>
+            </a:defPPr>
+            <a:lvl1pPr marL="0" algn="l" defTabSz="457200" rtl="0" eaLnBrk="1" latinLnBrk="0" hangingPunct="1">
+              <a:defRPr sz="1800" kern="1200">
+                <a:solidFill>
+                  <a:schemeClr val="tx1"/>
+                </a:solidFill>
+                <a:latin typeface="+mn-lt"/>
+                <a:ea typeface="+mn-ea"/>
+                <a:cs typeface="+mn-cs"/>
+              </a:defRPr>
+            </a:lvl1pPr>
+            <a:lvl2pPr marL="457200" algn="l" defTabSz="457200" rtl="0" eaLnBrk="1" latinLnBrk="0" hangingPunct="1">
+              <a:defRPr sz="1800" kern="1200">
+                <a:solidFill>
+                  <a:schemeClr val="tx1"/>
+                </a:solidFill>
+                <a:latin typeface="+mn-lt"/>
+                <a:ea typeface="+mn-ea"/>
+                <a:cs typeface="+mn-cs"/>
+              </a:defRPr>
+            </a:lvl2pPr>
+            <a:lvl3pPr marL="914400" algn="l" defTabSz="457200" rtl="0" eaLnBrk="1" latinLnBrk="0" hangingPunct="1">
+              <a:defRPr sz="1800" kern="1200">
+                <a:solidFill>
+                  <a:schemeClr val="tx1"/>
+                </a:solidFill>
+                <a:latin typeface="+mn-lt"/>
+                <a:ea typeface="+mn-ea"/>
+                <a:cs typeface="+mn-cs"/>
+              </a:defRPr>
+            </a:lvl3pPr>
+            <a:lvl4pPr marL="1371600" algn="l" defTabSz="457200" rtl="0" eaLnBrk="1" latinLnBrk="0" hangingPunct="1">
+              <a:defRPr sz="1800" kern="1200">
+                <a:solidFill>
+                  <a:schemeClr val="tx1"/>
+                </a:solidFill>
+                <a:latin typeface="+mn-lt"/>
+                <a:ea typeface="+mn-ea"/>
+                <a:cs typeface="+mn-cs"/>
+              </a:defRPr>
+            </a:lvl4pPr>
+            <a:lvl5pPr marL="1828800" algn="l" defTabSz="457200" rtl="0" eaLnBrk="1" latinLnBrk="0" hangingPunct="1">
+              <a:defRPr sz="1800" kern="1200">
+                <a:solidFill>
+                  <a:schemeClr val="tx1"/>
+                </a:solidFill>
+                <a:latin typeface="+mn-lt"/>
+                <a:ea typeface="+mn-ea"/>
+                <a:cs typeface="+mn-cs"/>
+              </a:defRPr>
+            </a:lvl5pPr>
+            <a:lvl6pPr marL="2286000" algn="l" defTabSz="457200" rtl="0" eaLnBrk="1" latinLnBrk="0" hangingPunct="1">
+              <a:defRPr sz="1800" kern="1200">
+                <a:solidFill>
+                  <a:schemeClr val="tx1"/>
+                </a:solidFill>
+                <a:latin typeface="+mn-lt"/>
+                <a:ea typeface="+mn-ea"/>
+                <a:cs typeface="+mn-cs"/>
+              </a:defRPr>
+            </a:lvl6pPr>
+            <a:lvl7pPr marL="2743200" algn="l" defTabSz="457200" rtl="0" eaLnBrk="1" latinLnBrk="0" hangingPunct="1">
+              <a:defRPr sz="1800" kern="1200">
+                <a:solidFill>
+                  <a:schemeClr val="tx1"/>
+                </a:solidFill>
+                <a:latin typeface="+mn-lt"/>
+                <a:ea typeface="+mn-ea"/>
+                <a:cs typeface="+mn-cs"/>
+              </a:defRPr>
+            </a:lvl7pPr>
+            <a:lvl8pPr marL="3200400" algn="l" defTabSz="457200" rtl="0" eaLnBrk="1" latinLnBrk="0" hangingPunct="1">
+              <a:defRPr sz="1800" kern="1200">
+                <a:solidFill>
+                  <a:schemeClr val="tx1"/>
+                </a:solidFill>
+                <a:latin typeface="+mn-lt"/>
+                <a:ea typeface="+mn-ea"/>
+                <a:cs typeface="+mn-cs"/>
+              </a:defRPr>
+            </a:lvl8pPr>
+            <a:lvl9pPr marL="3657600" algn="l" defTabSz="457200" rtl="0" eaLnBrk="1" latinLnBrk="0" hangingPunct="1">
+              <a:defRPr sz="1800" kern="1200">
+                <a:solidFill>
+                  <a:schemeClr val="tx1"/>
+                </a:solidFill>
+                <a:latin typeface="+mn-lt"/>
+                <a:ea typeface="+mn-ea"/>
+                <a:cs typeface="+mn-cs"/>
+              </a:defRPr>
+            </a:lvl9pPr>
+          </a:lstStyle>
+          <a:p>
+            <a:r>
+              <a:rPr lang="en-US" dirty="0" smtClean="0"/>
+              <a:t>By Droids Robotics</a:t>
+            </a:r>
+            <a:endParaRPr lang="en-US" dirty="0"/>
+          </a:p>
+        </p:txBody>
+      </p:sp>
     </p:spTree>
     <p:extLst>
       <p:ext uri="{BB962C8B-B14F-4D97-AF65-F5344CB8AC3E}">
@@ -9176,7 +9133,7 @@
               <a:buNone/>
             </a:pPr>
             <a:r>
-              <a:rPr lang="en-US" sz="3800" b="1" dirty="0" smtClean="0">
+              <a:rPr lang="en-US" sz="3800" b="1" smtClean="0">
                 <a:solidFill>
                   <a:schemeClr val="tx1"/>
                 </a:solidFill>
@@ -9184,10 +9141,10 @@
                 <a:ea typeface="+mj-ea"/>
                 <a:cs typeface="Gan CLM" panose="02000803000000000000" pitchFamily="2" charset="-79"/>
               </a:rPr>
-              <a:t>Droid</a:t>
-            </a:r>
-            <a:r>
-              <a:rPr lang="en-US" sz="3800" b="1" dirty="0" smtClean="0">
+              <a:t>Droids</a:t>
+            </a:r>
+            <a:r>
+              <a:rPr lang="en-US" sz="3800" b="1" smtClean="0">
                 <a:solidFill>
                   <a:schemeClr val="tx1"/>
                 </a:solidFill>
@@ -9289,7 +9246,7 @@
           <a:effectLst/>
           <a:extLst>
             <a:ext uri="{91240B29-F687-4f45-9708-019B960494DF}">
-              <a14:hiddenLine xmlns:a14="http://schemas.microsoft.com/office/drawing/2010/main" xmlns="" w="9525">
+              <a14:hiddenLine xmlns="" xmlns:a14="http://schemas.microsoft.com/office/drawing/2010/main" w="9525">
                 <a:solidFill>
                   <a:schemeClr val="tx1"/>
                 </a:solidFill>
@@ -9299,7 +9256,7 @@
               </a14:hiddenLine>
             </a:ext>
             <a:ext uri="{AF507438-7753-43e0-B8FC-AC1667EBCBE1}">
-              <a14:hiddenEffects xmlns:a14="http://schemas.microsoft.com/office/drawing/2010/main" xmlns="">
+              <a14:hiddenEffects xmlns="" xmlns:a14="http://schemas.microsoft.com/office/drawing/2010/main">
                 <a:effectLst>
                   <a:outerShdw dist="35921" dir="2700000" algn="ctr" rotWithShape="0">
                     <a:schemeClr val="bg2"/>
@@ -9659,11 +9616,11 @@
   <p:clrMapOvr>
     <a:masterClrMapping/>
   </p:clrMapOvr>
-  <mc:AlternateContent xmlns:mc="http://schemas.openxmlformats.org/markup-compatibility/2006">
-    <mc:Choice xmlns:p14="http://schemas.microsoft.com/office/powerpoint/2010/main" Requires="p14">
+  <mc:AlternateContent xmlns:mc="http://schemas.openxmlformats.org/markup-compatibility/2006" xmlns:p14="http://schemas.microsoft.com/office/powerpoint/2010/main">
+    <mc:Choice Requires="p14">
       <p:transition spd="slow" p14:dur="2000"/>
     </mc:Choice>
-    <mc:Fallback>
+    <mc:Fallback xmlns="">
       <p:transition spd="slow"/>
     </mc:Fallback>
   </mc:AlternateContent>
@@ -9878,9 +9835,6 @@
               </a:rPr>
               <a:t>DISPLAY</a:t>
             </a:r>
-            <a:endParaRPr lang="en-US" sz="3800" dirty="0">
-              <a:cs typeface="Gan CLM" panose="02000803000000000000" pitchFamily="2" charset="-79"/>
-            </a:endParaRPr>
           </a:p>
         </p:txBody>
       </p:sp>
@@ -10624,7 +10578,7 @@
             </a:ln>
             <a:extLst>
               <a:ext uri="{909E8E84-426E-40dd-AFC4-6F175D3DCCD1}">
-                <a14:hiddenFill xmlns="" xmlns:a14="http://schemas.microsoft.com/office/drawing/2010/main">
+                <a14:hiddenFill xmlns:a14="http://schemas.microsoft.com/office/drawing/2010/main" xmlns="">
                   <a:solidFill>
                     <a:srgbClr val="FFFFFF"/>
                   </a:solidFill>
@@ -10848,7 +10802,7 @@
             </a:ln>
             <a:extLst>
               <a:ext uri="{909E8E84-426E-40dd-AFC4-6F175D3DCCD1}">
-                <a14:hiddenFill xmlns="" xmlns:a14="http://schemas.microsoft.com/office/drawing/2010/main">
+                <a14:hiddenFill xmlns:a14="http://schemas.microsoft.com/office/drawing/2010/main" xmlns="">
                   <a:solidFill>
                     <a:srgbClr val="FFFFFF"/>
                   </a:solidFill>
@@ -11132,7 +11086,7 @@
             </a:ln>
             <a:extLst>
               <a:ext uri="{909E8E84-426E-40dd-AFC4-6F175D3DCCD1}">
-                <a14:hiddenFill xmlns="" xmlns:a14="http://schemas.microsoft.com/office/drawing/2010/main">
+                <a14:hiddenFill xmlns:a14="http://schemas.microsoft.com/office/drawing/2010/main" xmlns="">
                   <a:solidFill>
                     <a:srgbClr val="FFFFFF"/>
                   </a:solidFill>
@@ -11356,7 +11310,7 @@
             </a:ln>
             <a:extLst>
               <a:ext uri="{909E8E84-426E-40dd-AFC4-6F175D3DCCD1}">
-                <a14:hiddenFill xmlns="" xmlns:a14="http://schemas.microsoft.com/office/drawing/2010/main">
+                <a14:hiddenFill xmlns:a14="http://schemas.microsoft.com/office/drawing/2010/main" xmlns="">
                   <a:solidFill>
                     <a:srgbClr val="FFFFFF"/>
                   </a:solidFill>
@@ -11580,7 +11534,7 @@
             </a:ln>
             <a:extLst>
               <a:ext uri="{909E8E84-426E-40dd-AFC4-6F175D3DCCD1}">
-                <a14:hiddenFill xmlns="" xmlns:a14="http://schemas.microsoft.com/office/drawing/2010/main">
+                <a14:hiddenFill xmlns:a14="http://schemas.microsoft.com/office/drawing/2010/main" xmlns="">
                   <a:solidFill>
                     <a:srgbClr val="FFFFFF"/>
                   </a:solidFill>
@@ -11804,7 +11758,7 @@
             </a:ln>
             <a:extLst>
               <a:ext uri="{909E8E84-426E-40dd-AFC4-6F175D3DCCD1}">
-                <a14:hiddenFill xmlns="" xmlns:a14="http://schemas.microsoft.com/office/drawing/2010/main">
+                <a14:hiddenFill xmlns:a14="http://schemas.microsoft.com/office/drawing/2010/main" xmlns="">
                   <a:solidFill>
                     <a:srgbClr val="FFFFFF"/>
                   </a:solidFill>
@@ -12028,7 +11982,7 @@
             </a:ln>
             <a:extLst>
               <a:ext uri="{909E8E84-426E-40dd-AFC4-6F175D3DCCD1}">
-                <a14:hiddenFill xmlns="" xmlns:a14="http://schemas.microsoft.com/office/drawing/2010/main">
+                <a14:hiddenFill xmlns:a14="http://schemas.microsoft.com/office/drawing/2010/main" xmlns="">
                   <a:solidFill>
                     <a:srgbClr val="FFFFFF"/>
                   </a:solidFill>
@@ -12252,7 +12206,7 @@
             </a:ln>
             <a:extLst>
               <a:ext uri="{909E8E84-426E-40dd-AFC4-6F175D3DCCD1}">
-                <a14:hiddenFill xmlns="" xmlns:a14="http://schemas.microsoft.com/office/drawing/2010/main">
+                <a14:hiddenFill xmlns:a14="http://schemas.microsoft.com/office/drawing/2010/main" xmlns="">
                   <a:solidFill>
                     <a:srgbClr val="FFFFFF"/>
                   </a:solidFill>
@@ -12728,7 +12682,7 @@
           </a:ln>
           <a:extLst>
             <a:ext uri="{909E8E84-426E-40dd-AFC4-6F175D3DCCD1}">
-              <a14:hiddenFill xmlns="" xmlns:a14="http://schemas.microsoft.com/office/drawing/2010/main">
+              <a14:hiddenFill xmlns:a14="http://schemas.microsoft.com/office/drawing/2010/main" xmlns="">
                 <a:solidFill>
                   <a:srgbClr val="FFFFFF"/>
                 </a:solidFill>
@@ -13551,14 +13505,7 @@
                 <a:latin typeface="Gan CLM" panose="02000803000000000000" pitchFamily="2" charset="-79"/>
                 <a:cs typeface="Gan CLM" panose="02000803000000000000" pitchFamily="2" charset="-79"/>
               </a:rPr>
-              <a:t>פתרון</a:t>
-            </a:r>
-            <a:r>
-              <a:rPr lang="he-IL" altLang="en-US" sz="3800" dirty="0">
-                <a:latin typeface="Gan CLM" panose="02000803000000000000" pitchFamily="2" charset="-79"/>
-                <a:cs typeface="Gan CLM" panose="02000803000000000000" pitchFamily="2" charset="-79"/>
-              </a:rPr>
-              <a:t> אתגר 1</a:t>
+              <a:t>פתרון אתגר 1</a:t>
             </a:r>
             <a:endParaRPr lang="en-US" altLang="en-US" sz="3800" dirty="0">
               <a:latin typeface="Gan CLM" panose="02000803000000000000" pitchFamily="2" charset="-79"/>
